--- a/Tubes/power point Aplikasi Do’a Sehari-hari.pptx
+++ b/Tubes/power point Aplikasi Do’a Sehari-hari.pptx
@@ -6,14 +6,15 @@
   </p:sldMasterIdLst>
   <p:sldIdLst>
     <p:sldId id="256" r:id="rId2"/>
-    <p:sldId id="257" r:id="rId3"/>
-    <p:sldId id="258" r:id="rId4"/>
-    <p:sldId id="259" r:id="rId5"/>
-    <p:sldId id="260" r:id="rId6"/>
-    <p:sldId id="261" r:id="rId7"/>
-    <p:sldId id="262" r:id="rId8"/>
-    <p:sldId id="263" r:id="rId9"/>
-    <p:sldId id="264" r:id="rId10"/>
+    <p:sldId id="265" r:id="rId3"/>
+    <p:sldId id="257" r:id="rId4"/>
+    <p:sldId id="258" r:id="rId5"/>
+    <p:sldId id="259" r:id="rId6"/>
+    <p:sldId id="260" r:id="rId7"/>
+    <p:sldId id="261" r:id="rId8"/>
+    <p:sldId id="262" r:id="rId9"/>
+    <p:sldId id="263" r:id="rId10"/>
+    <p:sldId id="264" r:id="rId11"/>
   </p:sldIdLst>
   <p:sldSz cx="9144000" cy="6858000" type="screen4x3"/>
   <p:notesSz cx="6858000" cy="9144000"/>
@@ -405,7 +406,7 @@
           <a:p>
             <a:fld id="{A60A26CE-EAEE-48AF-89BC-B53421A66DA9}" type="datetimeFigureOut">
               <a:rPr lang="id-ID" smtClean="0"/>
-              <a:t>26/10/2014</a:t>
+              <a:t>27/10/2014</a:t>
             </a:fld>
             <a:endParaRPr lang="id-ID"/>
           </a:p>
@@ -570,7 +571,7 @@
           <a:p>
             <a:fld id="{A60A26CE-EAEE-48AF-89BC-B53421A66DA9}" type="datetimeFigureOut">
               <a:rPr lang="id-ID" smtClean="0"/>
-              <a:t>26/10/2014</a:t>
+              <a:t>27/10/2014</a:t>
             </a:fld>
             <a:endParaRPr lang="id-ID"/>
           </a:p>
@@ -745,7 +746,7 @@
           <a:p>
             <a:fld id="{A60A26CE-EAEE-48AF-89BC-B53421A66DA9}" type="datetimeFigureOut">
               <a:rPr lang="id-ID" smtClean="0"/>
-              <a:t>26/10/2014</a:t>
+              <a:t>27/10/2014</a:t>
             </a:fld>
             <a:endParaRPr lang="id-ID"/>
           </a:p>
@@ -892,7 +893,7 @@
           <a:p>
             <a:fld id="{A60A26CE-EAEE-48AF-89BC-B53421A66DA9}" type="datetimeFigureOut">
               <a:rPr lang="id-ID" smtClean="0"/>
-              <a:t>26/10/2014</a:t>
+              <a:t>27/10/2014</a:t>
             </a:fld>
             <a:endParaRPr lang="id-ID"/>
           </a:p>
@@ -1009,7 +1010,7 @@
           <a:p>
             <a:fld id="{A60A26CE-EAEE-48AF-89BC-B53421A66DA9}" type="datetimeFigureOut">
               <a:rPr lang="id-ID" smtClean="0"/>
-              <a:t>26/10/2014</a:t>
+              <a:t>27/10/2014</a:t>
             </a:fld>
             <a:endParaRPr lang="id-ID"/>
           </a:p>
@@ -1279,7 +1280,7 @@
           <a:p>
             <a:fld id="{A60A26CE-EAEE-48AF-89BC-B53421A66DA9}" type="datetimeFigureOut">
               <a:rPr lang="id-ID" smtClean="0"/>
-              <a:t>26/10/2014</a:t>
+              <a:t>27/10/2014</a:t>
             </a:fld>
             <a:endParaRPr lang="id-ID"/>
           </a:p>
@@ -1548,7 +1549,7 @@
           <a:p>
             <a:fld id="{A60A26CE-EAEE-48AF-89BC-B53421A66DA9}" type="datetimeFigureOut">
               <a:rPr lang="id-ID" smtClean="0"/>
-              <a:t>26/10/2014</a:t>
+              <a:t>27/10/2014</a:t>
             </a:fld>
             <a:endParaRPr lang="id-ID"/>
           </a:p>
@@ -1995,7 +1996,7 @@
           <a:p>
             <a:fld id="{A60A26CE-EAEE-48AF-89BC-B53421A66DA9}" type="datetimeFigureOut">
               <a:rPr lang="id-ID" smtClean="0"/>
-              <a:t>26/10/2014</a:t>
+              <a:t>27/10/2014</a:t>
             </a:fld>
             <a:endParaRPr lang="id-ID"/>
           </a:p>
@@ -2108,7 +2109,7 @@
           <a:p>
             <a:fld id="{A60A26CE-EAEE-48AF-89BC-B53421A66DA9}" type="datetimeFigureOut">
               <a:rPr lang="id-ID" smtClean="0"/>
-              <a:t>26/10/2014</a:t>
+              <a:t>27/10/2014</a:t>
             </a:fld>
             <a:endParaRPr lang="id-ID"/>
           </a:p>
@@ -2358,7 +2359,7 @@
           <a:p>
             <a:fld id="{A60A26CE-EAEE-48AF-89BC-B53421A66DA9}" type="datetimeFigureOut">
               <a:rPr lang="id-ID" smtClean="0"/>
-              <a:t>26/10/2014</a:t>
+              <a:t>27/10/2014</a:t>
             </a:fld>
             <a:endParaRPr lang="id-ID"/>
           </a:p>
@@ -2598,7 +2599,7 @@
           <a:p>
             <a:fld id="{A60A26CE-EAEE-48AF-89BC-B53421A66DA9}" type="datetimeFigureOut">
               <a:rPr lang="id-ID" smtClean="0"/>
-              <a:t>26/10/2014</a:t>
+              <a:t>27/10/2014</a:t>
             </a:fld>
             <a:endParaRPr lang="id-ID"/>
           </a:p>
@@ -2771,7 +2772,7 @@
           <a:p>
             <a:fld id="{A60A26CE-EAEE-48AF-89BC-B53421A66DA9}" type="datetimeFigureOut">
               <a:rPr lang="id-ID" smtClean="0"/>
-              <a:t>26/10/2014</a:t>
+              <a:t>27/10/2014</a:t>
             </a:fld>
             <a:endParaRPr lang="id-ID"/>
           </a:p>
@@ -3345,7 +3346,237 @@
 </p:sld>
 </file>
 
+<file path=ppt/slides/slide10.xml><?xml version="1.0" encoding="utf-8"?>
+<p:sld xmlns:a="http://schemas.openxmlformats.org/drawingml/2006/main" xmlns:r="http://schemas.openxmlformats.org/officeDocument/2006/relationships" xmlns:p="http://schemas.openxmlformats.org/presentationml/2006/main">
+  <p:cSld>
+    <p:spTree>
+      <p:nvGrpSpPr>
+        <p:cNvPr id="1" name=""/>
+        <p:cNvGrpSpPr/>
+        <p:nvPr/>
+      </p:nvGrpSpPr>
+      <p:grpSpPr>
+        <a:xfrm>
+          <a:off x="0" y="0"/>
+          <a:ext cx="0" cy="0"/>
+          <a:chOff x="0" y="0"/>
+          <a:chExt cx="0" cy="0"/>
+        </a:xfrm>
+      </p:grpSpPr>
+      <p:sp>
+        <p:nvSpPr>
+          <p:cNvPr id="3" name="Title 2"/>
+          <p:cNvSpPr>
+            <a:spLocks noGrp="1"/>
+          </p:cNvSpPr>
+          <p:nvPr>
+            <p:ph type="title"/>
+          </p:nvPr>
+        </p:nvSpPr>
+        <p:spPr/>
+        <p:txBody>
+          <a:bodyPr/>
+          <a:lstStyle/>
+          <a:p>
+            <a:r>
+              <a:rPr lang="id-ID" dirty="0" smtClean="0"/>
+              <a:t>Mockup Aplikasi</a:t>
+            </a:r>
+            <a:endParaRPr lang="id-ID" dirty="0"/>
+          </a:p>
+        </p:txBody>
+      </p:sp>
+      <p:pic>
+        <p:nvPicPr>
+          <p:cNvPr id="4" name="Content Placeholder 3"/>
+          <p:cNvPicPr>
+            <a:picLocks noGrp="1"/>
+          </p:cNvPicPr>
+          <p:nvPr>
+            <p:ph idx="1"/>
+          </p:nvPr>
+        </p:nvPicPr>
+        <p:blipFill rotWithShape="1">
+          <a:blip r:embed="rId2"/>
+          <a:srcRect l="19426" t="29446" r="46959" b="27586"/>
+          <a:stretch/>
+        </p:blipFill>
+        <p:spPr bwMode="auto">
+          <a:xfrm>
+            <a:off x="428596" y="2143116"/>
+            <a:ext cx="4373698" cy="3143195"/>
+          </a:xfrm>
+          <a:prstGeom prst="rect">
+            <a:avLst/>
+          </a:prstGeom>
+          <a:ln>
+            <a:noFill/>
+          </a:ln>
+          <a:extLst>
+            <a:ext uri="{53640926-AAD7-44D8-BBD7-CCE9431645EC}">
+              <a14:shadowObscured xmlns:a14="http://schemas.microsoft.com/office/drawing/2010/main"/>
+            </a:ext>
+          </a:extLst>
+        </p:spPr>
+      </p:pic>
+      <p:pic>
+        <p:nvPicPr>
+          <p:cNvPr id="5" name="Picture 4"/>
+          <p:cNvPicPr/>
+          <p:nvPr/>
+        </p:nvPicPr>
+        <p:blipFill rotWithShape="1">
+          <a:blip r:embed="rId3"/>
+          <a:srcRect l="19595" t="28845" r="47297" b="27587"/>
+          <a:stretch/>
+        </p:blipFill>
+        <p:spPr bwMode="auto">
+          <a:xfrm>
+            <a:off x="4929190" y="2071678"/>
+            <a:ext cx="3929090" cy="3214710"/>
+          </a:xfrm>
+          <a:prstGeom prst="rect">
+            <a:avLst/>
+          </a:prstGeom>
+          <a:ln>
+            <a:noFill/>
+          </a:ln>
+          <a:extLst>
+            <a:ext uri="{53640926-AAD7-44D8-BBD7-CCE9431645EC}">
+              <a14:shadowObscured xmlns:a14="http://schemas.microsoft.com/office/drawing/2010/main"/>
+            </a:ext>
+          </a:extLst>
+        </p:spPr>
+      </p:pic>
+    </p:spTree>
+  </p:cSld>
+  <p:clrMapOvr>
+    <a:masterClrMapping/>
+  </p:clrMapOvr>
+  <p:transition>
+    <p:newsflash/>
+  </p:transition>
+  <p:timing>
+    <p:tnLst>
+      <p:par>
+        <p:cTn id="1" dur="indefinite" restart="never" nodeType="tmRoot"/>
+      </p:par>
+    </p:tnLst>
+  </p:timing>
+</p:sld>
+</file>
+
 <file path=ppt/slides/slide2.xml><?xml version="1.0" encoding="utf-8"?>
+<p:sld xmlns:a="http://schemas.openxmlformats.org/drawingml/2006/main" xmlns:r="http://schemas.openxmlformats.org/officeDocument/2006/relationships" xmlns:p="http://schemas.openxmlformats.org/presentationml/2006/main">
+  <p:cSld>
+    <p:spTree>
+      <p:nvGrpSpPr>
+        <p:cNvPr id="1" name=""/>
+        <p:cNvGrpSpPr/>
+        <p:nvPr/>
+      </p:nvGrpSpPr>
+      <p:grpSpPr>
+        <a:xfrm>
+          <a:off x="0" y="0"/>
+          <a:ext cx="0" cy="0"/>
+          <a:chOff x="0" y="0"/>
+          <a:chExt cx="0" cy="0"/>
+        </a:xfrm>
+      </p:grpSpPr>
+      <p:sp>
+        <p:nvSpPr>
+          <p:cNvPr id="2" name="Content Placeholder 1"/>
+          <p:cNvSpPr>
+            <a:spLocks noGrp="1"/>
+          </p:cNvSpPr>
+          <p:nvPr>
+            <p:ph idx="1"/>
+          </p:nvPr>
+        </p:nvSpPr>
+        <p:spPr/>
+        <p:txBody>
+          <a:bodyPr/>
+          <a:lstStyle/>
+          <a:p>
+            <a:pPr marL="0" indent="0">
+              <a:buNone/>
+            </a:pPr>
+            <a:r>
+              <a:rPr lang="id-ID" dirty="0" smtClean="0"/>
+              <a:t>Kehidupan </a:t>
+            </a:r>
+            <a:r>
+              <a:rPr lang="id-ID" dirty="0"/>
+              <a:t>manusia sekarang ini tidak dapat terlepas dari informasi, hal ini menjadi salah satu penyebab pentingnya keterlibatan bidang teknologi. Hasil pemanggilan ini akan di olah menjadi sebuah </a:t>
+            </a:r>
+            <a:r>
+              <a:rPr lang="id-ID" i="1" dirty="0"/>
+              <a:t>file </a:t>
+            </a:r>
+            <a:r>
+              <a:rPr lang="id-ID" dirty="0"/>
+              <a:t>keluaran (</a:t>
+            </a:r>
+            <a:r>
+              <a:rPr lang="id-ID" i="1" dirty="0"/>
+              <a:t>output</a:t>
+            </a:r>
+            <a:r>
+              <a:rPr lang="id-ID" dirty="0"/>
+              <a:t>) yang akan di tampilkan dalam bentuk gambar dan teks. Sehingga dengan digunakannya do’a-do’a sehari-hari yang sudah terkomputerisasi ini dapat meningkatkan pendapatan keimanan seseorang.</a:t>
+            </a:r>
+          </a:p>
+          <a:p>
+            <a:pPr marL="0" indent="0">
+              <a:buNone/>
+            </a:pPr>
+            <a:endParaRPr lang="id-ID" dirty="0"/>
+          </a:p>
+        </p:txBody>
+      </p:sp>
+      <p:sp>
+        <p:nvSpPr>
+          <p:cNvPr id="3" name="Title 2"/>
+          <p:cNvSpPr>
+            <a:spLocks noGrp="1"/>
+          </p:cNvSpPr>
+          <p:nvPr>
+            <p:ph type="title"/>
+          </p:nvPr>
+        </p:nvSpPr>
+        <p:spPr/>
+        <p:txBody>
+          <a:bodyPr>
+            <a:normAutofit fontScale="90000"/>
+          </a:bodyPr>
+          <a:lstStyle/>
+          <a:p>
+            <a:r>
+              <a:rPr lang="id-ID" b="1" dirty="0"/>
+              <a:t>Deskripsi Umum Perangkat </a:t>
+            </a:r>
+            <a:r>
+              <a:rPr lang="id-ID" b="1" dirty="0" smtClean="0"/>
+              <a:t>Lunak</a:t>
+            </a:r>
+            <a:endParaRPr lang="id-ID" dirty="0"/>
+          </a:p>
+        </p:txBody>
+      </p:sp>
+    </p:spTree>
+    <p:extLst>
+      <p:ext uri="{BB962C8B-B14F-4D97-AF65-F5344CB8AC3E}">
+        <p14:creationId xmlns:p14="http://schemas.microsoft.com/office/powerpoint/2010/main" val="3083918367"/>
+      </p:ext>
+    </p:extLst>
+  </p:cSld>
+  <p:clrMapOvr>
+    <a:masterClrMapping/>
+  </p:clrMapOvr>
+</p:sld>
+</file>
+
+<file path=ppt/slides/slide3.xml><?xml version="1.0" encoding="utf-8"?>
 <p:sld xmlns:a="http://schemas.openxmlformats.org/drawingml/2006/main" xmlns:r="http://schemas.openxmlformats.org/officeDocument/2006/relationships" xmlns:p="http://schemas.openxmlformats.org/presentationml/2006/main">
   <p:cSld>
     <p:spTree>
@@ -3413,7 +3644,7 @@
           </a:ln>
           <a:extLst>
             <a:ext uri="{53640926-AAD7-44D8-BBD7-CCE9431645EC}">
-              <a14:shadowObscured xmlns:ve="http://schemas.openxmlformats.org/markup-compatibility/2006" xmlns:m="http://schemas.openxmlformats.org/officeDocument/2006/math" xmlns:wp="http://schemas.openxmlformats.org/drawingml/2006/wordprocessingDrawing" xmlns:wne="http://schemas.microsoft.com/office/word/2006/wordml" xmlns:a14="http://schemas.microsoft.com/office/drawing/2010/main" xmlns:wps="http://schemas.microsoft.com/office/word/2010/wordprocessingShape" xmlns:wpi="http://schemas.microsoft.com/office/word/2010/wordprocessingInk" xmlns:wpg="http://schemas.microsoft.com/office/word/2010/wordprocessingGroup" xmlns:w14="http://schemas.microsoft.com/office/word/2010/wordml" xmlns:w="http://schemas.openxmlformats.org/wordprocessingml/2006/main" xmlns:w10="urn:schemas-microsoft-com:office:word" xmlns:wp14="http://schemas.microsoft.com/office/word/2010/wordprocessingDrawing" xmlns:v="urn:schemas-microsoft-com:vml" xmlns:o="urn:schemas-microsoft-com:office:office" xmlns:mc="http://schemas.openxmlformats.org/markup-compatibility/2006" xmlns:wpc="http://schemas.microsoft.com/office/word/2010/wordprocessingCanvas" xmlns="" xmlns:pic="http://schemas.openxmlformats.org/drawingml/2006/picture" xmlns:lc="http://schemas.openxmlformats.org/drawingml/2006/lockedCanvas"/>
+              <a14:shadowObscured xmlns:a14="http://schemas.microsoft.com/office/drawing/2010/main"/>
             </a:ext>
           </a:extLst>
         </p:spPr>
@@ -3436,7 +3667,7 @@
 </p:sld>
 </file>
 
-<file path=ppt/slides/slide3.xml><?xml version="1.0" encoding="utf-8"?>
+<file path=ppt/slides/slide4.xml><?xml version="1.0" encoding="utf-8"?>
 <p:sld xmlns:a="http://schemas.openxmlformats.org/drawingml/2006/main" xmlns:r="http://schemas.openxmlformats.org/officeDocument/2006/relationships" xmlns:p="http://schemas.openxmlformats.org/presentationml/2006/main">
   <p:cSld>
     <p:spTree>
@@ -3528,7 +3759,7 @@
 </p:sld>
 </file>
 
-<file path=ppt/slides/slide4.xml><?xml version="1.0" encoding="utf-8"?>
+<file path=ppt/slides/slide5.xml><?xml version="1.0" encoding="utf-8"?>
 <p:sld xmlns:a="http://schemas.openxmlformats.org/drawingml/2006/main" xmlns:r="http://schemas.openxmlformats.org/officeDocument/2006/relationships" xmlns:p="http://schemas.openxmlformats.org/presentationml/2006/main">
   <p:cSld>
     <p:spTree>
@@ -3620,7 +3851,7 @@
 </p:sld>
 </file>
 
-<file path=ppt/slides/slide5.xml><?xml version="1.0" encoding="utf-8"?>
+<file path=ppt/slides/slide6.xml><?xml version="1.0" encoding="utf-8"?>
 <p:sld xmlns:a="http://schemas.openxmlformats.org/drawingml/2006/main" xmlns:r="http://schemas.openxmlformats.org/officeDocument/2006/relationships" xmlns:p="http://schemas.openxmlformats.org/presentationml/2006/main">
   <p:cSld>
     <p:spTree>
@@ -3713,7 +3944,7 @@
 </p:sld>
 </file>
 
-<file path=ppt/slides/slide6.xml><?xml version="1.0" encoding="utf-8"?>
+<file path=ppt/slides/slide7.xml><?xml version="1.0" encoding="utf-8"?>
 <p:sld xmlns:a="http://schemas.openxmlformats.org/drawingml/2006/main" xmlns:r="http://schemas.openxmlformats.org/officeDocument/2006/relationships" xmlns:p="http://schemas.openxmlformats.org/presentationml/2006/main">
   <p:cSld>
     <p:spTree>
@@ -3805,7 +4036,7 @@
 </p:sld>
 </file>
 
-<file path=ppt/slides/slide7.xml><?xml version="1.0" encoding="utf-8"?>
+<file path=ppt/slides/slide8.xml><?xml version="1.0" encoding="utf-8"?>
 <p:sld xmlns:a="http://schemas.openxmlformats.org/drawingml/2006/main" xmlns:r="http://schemas.openxmlformats.org/officeDocument/2006/relationships" xmlns:p="http://schemas.openxmlformats.org/presentationml/2006/main">
   <p:cSld>
     <p:spTree>
@@ -3898,7 +4129,7 @@
 </p:sld>
 </file>
 
-<file path=ppt/slides/slide8.xml><?xml version="1.0" encoding="utf-8"?>
+<file path=ppt/slides/slide9.xml><?xml version="1.0" encoding="utf-8"?>
 <p:sld xmlns:a="http://schemas.openxmlformats.org/drawingml/2006/main" xmlns:r="http://schemas.openxmlformats.org/officeDocument/2006/relationships" xmlns:p="http://schemas.openxmlformats.org/presentationml/2006/main">
   <p:cSld>
     <p:spTree>
@@ -3980,126 +4211,6 @@
   </p:clrMapOvr>
   <p:transition>
     <p:blinds/>
-  </p:transition>
-  <p:timing>
-    <p:tnLst>
-      <p:par>
-        <p:cTn id="1" dur="indefinite" restart="never" nodeType="tmRoot"/>
-      </p:par>
-    </p:tnLst>
-  </p:timing>
-</p:sld>
-</file>
-
-<file path=ppt/slides/slide9.xml><?xml version="1.0" encoding="utf-8"?>
-<p:sld xmlns:a="http://schemas.openxmlformats.org/drawingml/2006/main" xmlns:r="http://schemas.openxmlformats.org/officeDocument/2006/relationships" xmlns:p="http://schemas.openxmlformats.org/presentationml/2006/main">
-  <p:cSld>
-    <p:spTree>
-      <p:nvGrpSpPr>
-        <p:cNvPr id="1" name=""/>
-        <p:cNvGrpSpPr/>
-        <p:nvPr/>
-      </p:nvGrpSpPr>
-      <p:grpSpPr>
-        <a:xfrm>
-          <a:off x="0" y="0"/>
-          <a:ext cx="0" cy="0"/>
-          <a:chOff x="0" y="0"/>
-          <a:chExt cx="0" cy="0"/>
-        </a:xfrm>
-      </p:grpSpPr>
-      <p:sp>
-        <p:nvSpPr>
-          <p:cNvPr id="3" name="Title 2"/>
-          <p:cNvSpPr>
-            <a:spLocks noGrp="1"/>
-          </p:cNvSpPr>
-          <p:nvPr>
-            <p:ph type="title"/>
-          </p:nvPr>
-        </p:nvSpPr>
-        <p:spPr/>
-        <p:txBody>
-          <a:bodyPr/>
-          <a:lstStyle/>
-          <a:p>
-            <a:r>
-              <a:rPr lang="id-ID" dirty="0" smtClean="0"/>
-              <a:t>Mockup Aplikasi</a:t>
-            </a:r>
-            <a:endParaRPr lang="id-ID" dirty="0"/>
-          </a:p>
-        </p:txBody>
-      </p:sp>
-      <p:pic>
-        <p:nvPicPr>
-          <p:cNvPr id="4" name="Content Placeholder 3"/>
-          <p:cNvPicPr>
-            <a:picLocks noGrp="1"/>
-          </p:cNvPicPr>
-          <p:nvPr>
-            <p:ph idx="1"/>
-          </p:nvPr>
-        </p:nvPicPr>
-        <p:blipFill rotWithShape="1">
-          <a:blip r:embed="rId2"/>
-          <a:srcRect l="19426" t="29446" r="46959" b="27586"/>
-          <a:stretch/>
-        </p:blipFill>
-        <p:spPr bwMode="auto">
-          <a:xfrm>
-            <a:off x="428596" y="2143116"/>
-            <a:ext cx="4373698" cy="3143195"/>
-          </a:xfrm>
-          <a:prstGeom prst="rect">
-            <a:avLst/>
-          </a:prstGeom>
-          <a:ln>
-            <a:noFill/>
-          </a:ln>
-          <a:extLst>
-            <a:ext uri="{53640926-AAD7-44D8-BBD7-CCE9431645EC}">
-              <a14:shadowObscured xmlns:ve="http://schemas.openxmlformats.org/markup-compatibility/2006" xmlns:m="http://schemas.openxmlformats.org/officeDocument/2006/math" xmlns:wp="http://schemas.openxmlformats.org/drawingml/2006/wordprocessingDrawing" xmlns:wne="http://schemas.microsoft.com/office/word/2006/wordml" xmlns:a14="http://schemas.microsoft.com/office/drawing/2010/main" xmlns:wps="http://schemas.microsoft.com/office/word/2010/wordprocessingShape" xmlns:wpi="http://schemas.microsoft.com/office/word/2010/wordprocessingInk" xmlns:wpg="http://schemas.microsoft.com/office/word/2010/wordprocessingGroup" xmlns:w14="http://schemas.microsoft.com/office/word/2010/wordml" xmlns:w="http://schemas.openxmlformats.org/wordprocessingml/2006/main" xmlns:w10="urn:schemas-microsoft-com:office:word" xmlns:wp14="http://schemas.microsoft.com/office/word/2010/wordprocessingDrawing" xmlns:v="urn:schemas-microsoft-com:vml" xmlns:o="urn:schemas-microsoft-com:office:office" xmlns:mc="http://schemas.openxmlformats.org/markup-compatibility/2006" xmlns:wpc="http://schemas.microsoft.com/office/word/2010/wordprocessingCanvas" xmlns="" xmlns:pic="http://schemas.openxmlformats.org/drawingml/2006/picture" xmlns:lc="http://schemas.openxmlformats.org/drawingml/2006/lockedCanvas"/>
-            </a:ext>
-          </a:extLst>
-        </p:spPr>
-      </p:pic>
-      <p:pic>
-        <p:nvPicPr>
-          <p:cNvPr id="5" name="Picture 4"/>
-          <p:cNvPicPr/>
-          <p:nvPr/>
-        </p:nvPicPr>
-        <p:blipFill rotWithShape="1">
-          <a:blip r:embed="rId3"/>
-          <a:srcRect l="19595" t="28845" r="47297" b="27587"/>
-          <a:stretch/>
-        </p:blipFill>
-        <p:spPr bwMode="auto">
-          <a:xfrm>
-            <a:off x="4929190" y="2071678"/>
-            <a:ext cx="3929090" cy="3214710"/>
-          </a:xfrm>
-          <a:prstGeom prst="rect">
-            <a:avLst/>
-          </a:prstGeom>
-          <a:ln>
-            <a:noFill/>
-          </a:ln>
-          <a:extLst>
-            <a:ext uri="{53640926-AAD7-44D8-BBD7-CCE9431645EC}">
-              <a14:shadowObscured xmlns:ve="http://schemas.openxmlformats.org/markup-compatibility/2006" xmlns:m="http://schemas.openxmlformats.org/officeDocument/2006/math" xmlns:wp="http://schemas.openxmlformats.org/drawingml/2006/wordprocessingDrawing" xmlns:wne="http://schemas.microsoft.com/office/word/2006/wordml" xmlns:a14="http://schemas.microsoft.com/office/drawing/2010/main" xmlns:wps="http://schemas.microsoft.com/office/word/2010/wordprocessingShape" xmlns:wpi="http://schemas.microsoft.com/office/word/2010/wordprocessingInk" xmlns:wpg="http://schemas.microsoft.com/office/word/2010/wordprocessingGroup" xmlns:w14="http://schemas.microsoft.com/office/word/2010/wordml" xmlns:w="http://schemas.openxmlformats.org/wordprocessingml/2006/main" xmlns:w10="urn:schemas-microsoft-com:office:word" xmlns:wp14="http://schemas.microsoft.com/office/word/2010/wordprocessingDrawing" xmlns:v="urn:schemas-microsoft-com:vml" xmlns:o="urn:schemas-microsoft-com:office:office" xmlns:mc="http://schemas.openxmlformats.org/markup-compatibility/2006" xmlns:wpc="http://schemas.microsoft.com/office/word/2010/wordprocessingCanvas" xmlns="" xmlns:pic="http://schemas.openxmlformats.org/drawingml/2006/picture" xmlns:lc="http://schemas.openxmlformats.org/drawingml/2006/lockedCanvas"/>
-            </a:ext>
-          </a:extLst>
-        </p:spPr>
-      </p:pic>
-    </p:spTree>
-  </p:cSld>
-  <p:clrMapOvr>
-    <a:masterClrMapping/>
-  </p:clrMapOvr>
-  <p:transition>
-    <p:newsflash/>
   </p:transition>
   <p:timing>
     <p:tnLst>

--- a/Tubes/power point Aplikasi Do’a Sehari-hari.pptx
+++ b/Tubes/power point Aplikasi Do’a Sehari-hari.pptx
@@ -3498,12 +3498,12 @@
           <a:bodyPr/>
           <a:lstStyle/>
           <a:p>
-            <a:pPr marL="0" indent="0">
+            <a:pPr marL="0" indent="0" algn="just">
               <a:buNone/>
             </a:pPr>
             <a:r>
-              <a:rPr lang="id-ID" dirty="0" smtClean="0"/>
-              <a:t>Kehidupan </a:t>
+              <a:rPr lang="id-ID" smtClean="0"/>
+              <a:t>	Kehidupan </a:t>
             </a:r>
             <a:r>
               <a:rPr lang="id-ID" dirty="0"/>
@@ -3527,7 +3527,7 @@
             </a:r>
           </a:p>
           <a:p>
-            <a:pPr marL="0" indent="0">
+            <a:pPr marL="0" indent="0" algn="just">
               <a:buNone/>
             </a:pPr>
             <a:endParaRPr lang="id-ID" dirty="0"/>

--- a/Tubes/power point Aplikasi Do’a Sehari-hari.pptx
+++ b/Tubes/power point Aplikasi Do’a Sehari-hari.pptx
@@ -7,14 +7,12 @@
   <p:sldIdLst>
     <p:sldId id="256" r:id="rId2"/>
     <p:sldId id="265" r:id="rId3"/>
-    <p:sldId id="257" r:id="rId4"/>
-    <p:sldId id="258" r:id="rId5"/>
-    <p:sldId id="259" r:id="rId6"/>
-    <p:sldId id="260" r:id="rId7"/>
-    <p:sldId id="261" r:id="rId8"/>
-    <p:sldId id="262" r:id="rId9"/>
-    <p:sldId id="263" r:id="rId10"/>
-    <p:sldId id="264" r:id="rId11"/>
+    <p:sldId id="266" r:id="rId4"/>
+    <p:sldId id="260" r:id="rId5"/>
+    <p:sldId id="257" r:id="rId6"/>
+    <p:sldId id="262" r:id="rId7"/>
+    <p:sldId id="263" r:id="rId8"/>
+    <p:sldId id="264" r:id="rId9"/>
   </p:sldIdLst>
   <p:sldSz cx="9144000" cy="6858000" type="screen4x3"/>
   <p:notesSz cx="6858000" cy="9144000"/>
@@ -3346,7 +3344,754 @@
 </p:sld>
 </file>
 
-<file path=ppt/slides/slide10.xml><?xml version="1.0" encoding="utf-8"?>
+<file path=ppt/slides/slide2.xml><?xml version="1.0" encoding="utf-8"?>
+<p:sld xmlns:a="http://schemas.openxmlformats.org/drawingml/2006/main" xmlns:r="http://schemas.openxmlformats.org/officeDocument/2006/relationships" xmlns:p="http://schemas.openxmlformats.org/presentationml/2006/main">
+  <p:cSld>
+    <p:spTree>
+      <p:nvGrpSpPr>
+        <p:cNvPr id="1" name=""/>
+        <p:cNvGrpSpPr/>
+        <p:nvPr/>
+      </p:nvGrpSpPr>
+      <p:grpSpPr>
+        <a:xfrm>
+          <a:off x="0" y="0"/>
+          <a:ext cx="0" cy="0"/>
+          <a:chOff x="0" y="0"/>
+          <a:chExt cx="0" cy="0"/>
+        </a:xfrm>
+      </p:grpSpPr>
+      <p:sp>
+        <p:nvSpPr>
+          <p:cNvPr id="2" name="Content Placeholder 1"/>
+          <p:cNvSpPr>
+            <a:spLocks noGrp="1"/>
+          </p:cNvSpPr>
+          <p:nvPr>
+            <p:ph idx="1"/>
+          </p:nvPr>
+        </p:nvSpPr>
+        <p:spPr/>
+        <p:txBody>
+          <a:bodyPr/>
+          <a:lstStyle/>
+          <a:p>
+            <a:pPr marL="0" indent="0" algn="just">
+              <a:buNone/>
+            </a:pPr>
+            <a:r>
+              <a:rPr lang="id-ID" dirty="0" smtClean="0"/>
+              <a:t>	Kehidupan sekarang </a:t>
+            </a:r>
+            <a:r>
+              <a:rPr lang="id-ID" dirty="0"/>
+              <a:t>ini tidak dapat terlepas dari informasi, hal ini menjadi salah satu penyebab pentingnya keterlibatan bidang teknologi. Hasil pemanggilan ini akan di olah menjadi sebuah </a:t>
+            </a:r>
+            <a:r>
+              <a:rPr lang="id-ID" i="1" dirty="0"/>
+              <a:t>file </a:t>
+            </a:r>
+            <a:r>
+              <a:rPr lang="id-ID" dirty="0"/>
+              <a:t>keluaran (</a:t>
+            </a:r>
+            <a:r>
+              <a:rPr lang="id-ID" i="1" dirty="0"/>
+              <a:t>output</a:t>
+            </a:r>
+            <a:r>
+              <a:rPr lang="id-ID" dirty="0"/>
+              <a:t>) yang akan di tampilkan dalam bentuk gambar dan teks. Sehingga dengan digunakannya do’a-do’a sehari-hari yang sudah terkomputerisasi ini dapat meningkatkan pendapatan keimanan seseorang.</a:t>
+            </a:r>
+          </a:p>
+          <a:p>
+            <a:pPr marL="0" indent="0" algn="just">
+              <a:buNone/>
+            </a:pPr>
+            <a:endParaRPr lang="id-ID" dirty="0"/>
+          </a:p>
+        </p:txBody>
+      </p:sp>
+      <p:sp>
+        <p:nvSpPr>
+          <p:cNvPr id="3" name="Title 2"/>
+          <p:cNvSpPr>
+            <a:spLocks noGrp="1"/>
+          </p:cNvSpPr>
+          <p:nvPr>
+            <p:ph type="title"/>
+          </p:nvPr>
+        </p:nvSpPr>
+        <p:spPr/>
+        <p:txBody>
+          <a:bodyPr>
+            <a:normAutofit fontScale="90000"/>
+          </a:bodyPr>
+          <a:lstStyle/>
+          <a:p>
+            <a:r>
+              <a:rPr lang="id-ID" b="1" dirty="0"/>
+              <a:t>Deskripsi Umum Perangkat </a:t>
+            </a:r>
+            <a:r>
+              <a:rPr lang="id-ID" b="1" dirty="0" smtClean="0"/>
+              <a:t>Lunak</a:t>
+            </a:r>
+            <a:endParaRPr lang="id-ID" dirty="0"/>
+          </a:p>
+        </p:txBody>
+      </p:sp>
+    </p:spTree>
+    <p:extLst>
+      <p:ext uri="{BB962C8B-B14F-4D97-AF65-F5344CB8AC3E}">
+        <p14:creationId xmlns:p14="http://schemas.microsoft.com/office/powerpoint/2010/main" val="3083918367"/>
+      </p:ext>
+    </p:extLst>
+  </p:cSld>
+  <p:clrMapOvr>
+    <a:masterClrMapping/>
+  </p:clrMapOvr>
+  <p:timing>
+    <p:tnLst>
+      <p:par>
+        <p:cTn id="1" dur="indefinite" restart="never" nodeType="tmRoot"/>
+      </p:par>
+    </p:tnLst>
+  </p:timing>
+</p:sld>
+</file>
+
+<file path=ppt/slides/slide3.xml><?xml version="1.0" encoding="utf-8"?>
+<p:sld xmlns:a="http://schemas.openxmlformats.org/drawingml/2006/main" xmlns:r="http://schemas.openxmlformats.org/officeDocument/2006/relationships" xmlns:p="http://schemas.openxmlformats.org/presentationml/2006/main">
+  <p:cSld>
+    <p:spTree>
+      <p:nvGrpSpPr>
+        <p:cNvPr id="1" name=""/>
+        <p:cNvGrpSpPr/>
+        <p:nvPr/>
+      </p:nvGrpSpPr>
+      <p:grpSpPr>
+        <a:xfrm>
+          <a:off x="0" y="0"/>
+          <a:ext cx="0" cy="0"/>
+          <a:chOff x="0" y="0"/>
+          <a:chExt cx="0" cy="0"/>
+        </a:xfrm>
+      </p:grpSpPr>
+      <p:sp>
+        <p:nvSpPr>
+          <p:cNvPr id="2" name="Content Placeholder 1"/>
+          <p:cNvSpPr>
+            <a:spLocks noGrp="1"/>
+          </p:cNvSpPr>
+          <p:nvPr>
+            <p:ph idx="1"/>
+          </p:nvPr>
+        </p:nvSpPr>
+        <p:spPr/>
+        <p:txBody>
+          <a:bodyPr/>
+          <a:lstStyle/>
+          <a:p>
+            <a:pPr marL="0" indent="0" algn="just">
+              <a:buNone/>
+            </a:pPr>
+            <a:r>
+              <a:rPr lang="id-ID" dirty="0" smtClean="0"/>
+              <a:t>	Aplikasi </a:t>
+            </a:r>
+            <a:r>
+              <a:rPr lang="id-ID" dirty="0"/>
+              <a:t>ini berguna untuk </a:t>
+            </a:r>
+            <a:r>
+              <a:rPr lang="id-ID" dirty="0" smtClean="0"/>
+              <a:t>masyarakat luas, menggunakan aplikasi lebih </a:t>
+            </a:r>
+            <a:r>
+              <a:rPr lang="id-ID" dirty="0"/>
+              <a:t>baik </a:t>
+            </a:r>
+            <a:r>
+              <a:rPr lang="id-ID" dirty="0" smtClean="0"/>
+              <a:t>dibandingkan dengan </a:t>
+            </a:r>
+            <a:r>
+              <a:rPr lang="id-ID" dirty="0"/>
+              <a:t>sistem </a:t>
+            </a:r>
+            <a:r>
+              <a:rPr lang="id-ID" dirty="0" smtClean="0"/>
+              <a:t>manual dalam pencarian do’a-do’a sehari-hari agar </a:t>
+            </a:r>
+            <a:r>
+              <a:rPr lang="id-ID" dirty="0"/>
+              <a:t>berjalan efektif dan efisien serta sistem pembelajaran doa yang sekarang akan lebih kondusif dibandingkan dengan sistem pembelajaran dengan buku. </a:t>
+            </a:r>
+          </a:p>
+        </p:txBody>
+      </p:sp>
+    </p:spTree>
+    <p:extLst>
+      <p:ext uri="{BB962C8B-B14F-4D97-AF65-F5344CB8AC3E}">
+        <p14:creationId xmlns:p14="http://schemas.microsoft.com/office/powerpoint/2010/main" val="1532560359"/>
+      </p:ext>
+    </p:extLst>
+  </p:cSld>
+  <p:clrMapOvr>
+    <a:masterClrMapping/>
+  </p:clrMapOvr>
+  <p:timing>
+    <p:tnLst>
+      <p:par>
+        <p:cTn id="1" dur="indefinite" restart="never" nodeType="tmRoot"/>
+      </p:par>
+    </p:tnLst>
+  </p:timing>
+</p:sld>
+</file>
+
+<file path=ppt/slides/slide4.xml><?xml version="1.0" encoding="utf-8"?>
+<p:sld xmlns:a="http://schemas.openxmlformats.org/drawingml/2006/main" xmlns:r="http://schemas.openxmlformats.org/officeDocument/2006/relationships" xmlns:p="http://schemas.openxmlformats.org/presentationml/2006/main">
+  <p:cSld>
+    <p:spTree>
+      <p:nvGrpSpPr>
+        <p:cNvPr id="1" name=""/>
+        <p:cNvGrpSpPr/>
+        <p:nvPr/>
+      </p:nvGrpSpPr>
+      <p:grpSpPr>
+        <a:xfrm>
+          <a:off x="0" y="0"/>
+          <a:ext cx="0" cy="0"/>
+          <a:chOff x="0" y="0"/>
+          <a:chExt cx="0" cy="0"/>
+        </a:xfrm>
+      </p:grpSpPr>
+      <p:sp>
+        <p:nvSpPr>
+          <p:cNvPr id="3" name="Title 2"/>
+          <p:cNvSpPr>
+            <a:spLocks noGrp="1"/>
+          </p:cNvSpPr>
+          <p:nvPr>
+            <p:ph type="title"/>
+          </p:nvPr>
+        </p:nvSpPr>
+        <p:spPr/>
+        <p:txBody>
+          <a:bodyPr/>
+          <a:lstStyle/>
+          <a:p>
+            <a:r>
+              <a:rPr lang="id-ID" dirty="0" smtClean="0"/>
+              <a:t>Diagram Kelas</a:t>
+            </a:r>
+            <a:endParaRPr lang="id-ID" dirty="0"/>
+          </a:p>
+        </p:txBody>
+      </p:sp>
+      <p:sp>
+        <p:nvSpPr>
+          <p:cNvPr id="2" name="Content Placeholder 1"/>
+          <p:cNvSpPr>
+            <a:spLocks noGrp="1"/>
+          </p:cNvSpPr>
+          <p:nvPr>
+            <p:ph idx="1"/>
+          </p:nvPr>
+        </p:nvSpPr>
+        <p:spPr/>
+        <p:txBody>
+          <a:bodyPr/>
+          <a:lstStyle/>
+          <a:p>
+            <a:endParaRPr lang="id-ID"/>
+          </a:p>
+        </p:txBody>
+      </p:sp>
+      <p:pic>
+        <p:nvPicPr>
+          <p:cNvPr id="2050" name="Picture 2"/>
+          <p:cNvPicPr>
+            <a:picLocks noChangeAspect="1" noChangeArrowheads="1"/>
+          </p:cNvPicPr>
+          <p:nvPr/>
+        </p:nvPicPr>
+        <p:blipFill rotWithShape="1">
+          <a:blip r:embed="rId2">
+            <a:extLst>
+              <a:ext uri="{28A0092B-C50C-407E-A947-70E740481C1C}">
+                <a14:useLocalDpi xmlns:a14="http://schemas.microsoft.com/office/drawing/2010/main" val="0"/>
+              </a:ext>
+            </a:extLst>
+          </a:blip>
+          <a:srcRect l="30788" t="30357" r="41547" b="52976"/>
+          <a:stretch/>
+        </p:blipFill>
+        <p:spPr bwMode="auto">
+          <a:xfrm>
+            <a:off x="1043608" y="2334944"/>
+            <a:ext cx="7056784" cy="3110280"/>
+          </a:xfrm>
+          <a:prstGeom prst="rect">
+            <a:avLst/>
+          </a:prstGeom>
+          <a:noFill/>
+          <a:ln>
+            <a:noFill/>
+          </a:ln>
+          <a:effectLst/>
+          <a:extLst>
+            <a:ext uri="{909E8E84-426E-40DD-AFC4-6F175D3DCCD1}">
+              <a14:hiddenFill xmlns:a14="http://schemas.microsoft.com/office/drawing/2010/main">
+                <a:solidFill>
+                  <a:schemeClr val="accent1"/>
+                </a:solidFill>
+              </a14:hiddenFill>
+            </a:ext>
+            <a:ext uri="{91240B29-F687-4F45-9708-019B960494DF}">
+              <a14:hiddenLine xmlns:a14="http://schemas.microsoft.com/office/drawing/2010/main" w="9525">
+                <a:solidFill>
+                  <a:schemeClr val="tx1"/>
+                </a:solidFill>
+                <a:miter lim="800000"/>
+                <a:headEnd/>
+                <a:tailEnd/>
+              </a14:hiddenLine>
+            </a:ext>
+            <a:ext uri="{AF507438-7753-43E0-B8FC-AC1667EBCBE1}">
+              <a14:hiddenEffects xmlns:a14="http://schemas.microsoft.com/office/drawing/2010/main">
+                <a:effectLst>
+                  <a:outerShdw dist="35921" dir="2700000" algn="ctr" rotWithShape="0">
+                    <a:schemeClr val="bg2"/>
+                  </a:outerShdw>
+                </a:effectLst>
+              </a14:hiddenEffects>
+            </a:ext>
+          </a:extLst>
+        </p:spPr>
+      </p:pic>
+    </p:spTree>
+  </p:cSld>
+  <p:clrMapOvr>
+    <a:masterClrMapping/>
+  </p:clrMapOvr>
+  <p:transition>
+    <p:checker/>
+  </p:transition>
+  <p:timing>
+    <p:tnLst>
+      <p:par>
+        <p:cTn id="1" dur="indefinite" restart="never" nodeType="tmRoot"/>
+      </p:par>
+    </p:tnLst>
+  </p:timing>
+</p:sld>
+</file>
+
+<file path=ppt/slides/slide5.xml><?xml version="1.0" encoding="utf-8"?>
+<p:sld xmlns:a="http://schemas.openxmlformats.org/drawingml/2006/main" xmlns:r="http://schemas.openxmlformats.org/officeDocument/2006/relationships" xmlns:p="http://schemas.openxmlformats.org/presentationml/2006/main">
+  <p:cSld>
+    <p:spTree>
+      <p:nvGrpSpPr>
+        <p:cNvPr id="1" name=""/>
+        <p:cNvGrpSpPr/>
+        <p:nvPr/>
+      </p:nvGrpSpPr>
+      <p:grpSpPr>
+        <a:xfrm>
+          <a:off x="0" y="0"/>
+          <a:ext cx="0" cy="0"/>
+          <a:chOff x="0" y="0"/>
+          <a:chExt cx="0" cy="0"/>
+        </a:xfrm>
+      </p:grpSpPr>
+      <p:sp>
+        <p:nvSpPr>
+          <p:cNvPr id="3" name="Title 2"/>
+          <p:cNvSpPr>
+            <a:spLocks noGrp="1"/>
+          </p:cNvSpPr>
+          <p:nvPr>
+            <p:ph type="title"/>
+          </p:nvPr>
+        </p:nvSpPr>
+        <p:spPr/>
+        <p:txBody>
+          <a:bodyPr/>
+          <a:lstStyle/>
+          <a:p>
+            <a:r>
+              <a:rPr lang="id-ID" dirty="0" smtClean="0"/>
+              <a:t>Use Case Diagram</a:t>
+            </a:r>
+            <a:endParaRPr lang="id-ID" dirty="0"/>
+          </a:p>
+        </p:txBody>
+      </p:sp>
+      <p:pic>
+        <p:nvPicPr>
+          <p:cNvPr id="1026" name="Picture 2"/>
+          <p:cNvPicPr>
+            <a:picLocks noChangeAspect="1" noChangeArrowheads="1"/>
+          </p:cNvPicPr>
+          <p:nvPr/>
+        </p:nvPicPr>
+        <p:blipFill rotWithShape="1">
+          <a:blip r:embed="rId2">
+            <a:extLst>
+              <a:ext uri="{28A0092B-C50C-407E-A947-70E740481C1C}">
+                <a14:useLocalDpi xmlns:a14="http://schemas.microsoft.com/office/drawing/2010/main" val="0"/>
+              </a:ext>
+            </a:extLst>
+          </a:blip>
+          <a:srcRect l="16287" t="21626" r="49689" b="44644"/>
+          <a:stretch/>
+        </p:blipFill>
+        <p:spPr bwMode="auto">
+          <a:xfrm>
+            <a:off x="1259632" y="2169960"/>
+            <a:ext cx="6847110" cy="3816424"/>
+          </a:xfrm>
+          <a:prstGeom prst="rect">
+            <a:avLst/>
+          </a:prstGeom>
+          <a:noFill/>
+          <a:ln>
+            <a:noFill/>
+          </a:ln>
+          <a:effectLst/>
+          <a:extLst>
+            <a:ext uri="{909E8E84-426E-40DD-AFC4-6F175D3DCCD1}">
+              <a14:hiddenFill xmlns:a14="http://schemas.microsoft.com/office/drawing/2010/main">
+                <a:solidFill>
+                  <a:schemeClr val="accent1"/>
+                </a:solidFill>
+              </a14:hiddenFill>
+            </a:ext>
+            <a:ext uri="{91240B29-F687-4F45-9708-019B960494DF}">
+              <a14:hiddenLine xmlns:a14="http://schemas.microsoft.com/office/drawing/2010/main" w="9525">
+                <a:solidFill>
+                  <a:schemeClr val="tx1"/>
+                </a:solidFill>
+                <a:miter lim="800000"/>
+                <a:headEnd/>
+                <a:tailEnd/>
+              </a14:hiddenLine>
+            </a:ext>
+            <a:ext uri="{AF507438-7753-43E0-B8FC-AC1667EBCBE1}">
+              <a14:hiddenEffects xmlns:a14="http://schemas.microsoft.com/office/drawing/2010/main">
+                <a:effectLst>
+                  <a:outerShdw dist="35921" dir="2700000" algn="ctr" rotWithShape="0">
+                    <a:schemeClr val="bg2"/>
+                  </a:outerShdw>
+                </a:effectLst>
+              </a14:hiddenEffects>
+            </a:ext>
+          </a:extLst>
+        </p:spPr>
+      </p:pic>
+    </p:spTree>
+  </p:cSld>
+  <p:clrMapOvr>
+    <a:masterClrMapping/>
+  </p:clrMapOvr>
+  <p:transition>
+    <p:wheel spokes="2"/>
+  </p:transition>
+  <p:timing>
+    <p:tnLst>
+      <p:par>
+        <p:cTn id="1" dur="indefinite" restart="never" nodeType="tmRoot"/>
+      </p:par>
+    </p:tnLst>
+  </p:timing>
+</p:sld>
+</file>
+
+<file path=ppt/slides/slide6.xml><?xml version="1.0" encoding="utf-8"?>
+<p:sld xmlns:a="http://schemas.openxmlformats.org/drawingml/2006/main" xmlns:r="http://schemas.openxmlformats.org/officeDocument/2006/relationships" xmlns:p="http://schemas.openxmlformats.org/presentationml/2006/main">
+  <p:cSld>
+    <p:spTree>
+      <p:nvGrpSpPr>
+        <p:cNvPr id="1" name=""/>
+        <p:cNvGrpSpPr/>
+        <p:nvPr/>
+      </p:nvGrpSpPr>
+      <p:grpSpPr>
+        <a:xfrm>
+          <a:off x="0" y="0"/>
+          <a:ext cx="0" cy="0"/>
+          <a:chOff x="0" y="0"/>
+          <a:chExt cx="0" cy="0"/>
+        </a:xfrm>
+      </p:grpSpPr>
+      <p:sp>
+        <p:nvSpPr>
+          <p:cNvPr id="3" name="Title 2"/>
+          <p:cNvSpPr>
+            <a:spLocks noGrp="1"/>
+          </p:cNvSpPr>
+          <p:nvPr>
+            <p:ph type="title"/>
+          </p:nvPr>
+        </p:nvSpPr>
+        <p:spPr/>
+        <p:txBody>
+          <a:bodyPr/>
+          <a:lstStyle/>
+          <a:p>
+            <a:r>
+              <a:rPr lang="id-ID" dirty="0" smtClean="0"/>
+              <a:t>Kebutuhan Fungsional</a:t>
+            </a:r>
+            <a:endParaRPr lang="id-ID" dirty="0"/>
+          </a:p>
+        </p:txBody>
+      </p:sp>
+      <p:sp>
+        <p:nvSpPr>
+          <p:cNvPr id="2" name="Content Placeholder 1"/>
+          <p:cNvSpPr>
+            <a:spLocks noGrp="1"/>
+          </p:cNvSpPr>
+          <p:nvPr>
+            <p:ph idx="1"/>
+          </p:nvPr>
+        </p:nvSpPr>
+        <p:spPr/>
+        <p:txBody>
+          <a:bodyPr/>
+          <a:lstStyle/>
+          <a:p>
+            <a:endParaRPr lang="id-ID"/>
+          </a:p>
+        </p:txBody>
+      </p:sp>
+      <p:pic>
+        <p:nvPicPr>
+          <p:cNvPr id="3074" name="Picture 2"/>
+          <p:cNvPicPr>
+            <a:picLocks noChangeAspect="1" noChangeArrowheads="1"/>
+          </p:cNvPicPr>
+          <p:nvPr/>
+        </p:nvPicPr>
+        <p:blipFill rotWithShape="1">
+          <a:blip r:embed="rId2">
+            <a:extLst>
+              <a:ext uri="{28A0092B-C50C-407E-A947-70E740481C1C}">
+                <a14:useLocalDpi xmlns:a14="http://schemas.microsoft.com/office/drawing/2010/main" val="0"/>
+              </a:ext>
+            </a:extLst>
+          </a:blip>
+          <a:srcRect l="29673" t="42063" r="36638" b="37897"/>
+          <a:stretch/>
+        </p:blipFill>
+        <p:spPr bwMode="auto">
+          <a:xfrm>
+            <a:off x="1403648" y="2780928"/>
+            <a:ext cx="6552434" cy="2191376"/>
+          </a:xfrm>
+          <a:prstGeom prst="rect">
+            <a:avLst/>
+          </a:prstGeom>
+          <a:noFill/>
+          <a:ln>
+            <a:noFill/>
+          </a:ln>
+          <a:effectLst/>
+          <a:extLst>
+            <a:ext uri="{909E8E84-426E-40DD-AFC4-6F175D3DCCD1}">
+              <a14:hiddenFill xmlns:a14="http://schemas.microsoft.com/office/drawing/2010/main">
+                <a:solidFill>
+                  <a:schemeClr val="accent1"/>
+                </a:solidFill>
+              </a14:hiddenFill>
+            </a:ext>
+            <a:ext uri="{91240B29-F687-4F45-9708-019B960494DF}">
+              <a14:hiddenLine xmlns:a14="http://schemas.microsoft.com/office/drawing/2010/main" w="9525">
+                <a:solidFill>
+                  <a:schemeClr val="tx1"/>
+                </a:solidFill>
+                <a:miter lim="800000"/>
+                <a:headEnd/>
+                <a:tailEnd/>
+              </a14:hiddenLine>
+            </a:ext>
+            <a:ext uri="{AF507438-7753-43E0-B8FC-AC1667EBCBE1}">
+              <a14:hiddenEffects xmlns:a14="http://schemas.microsoft.com/office/drawing/2010/main">
+                <a:effectLst>
+                  <a:outerShdw dist="35921" dir="2700000" algn="ctr" rotWithShape="0">
+                    <a:schemeClr val="bg2"/>
+                  </a:outerShdw>
+                </a:effectLst>
+              </a14:hiddenEffects>
+            </a:ext>
+          </a:extLst>
+        </p:spPr>
+      </p:pic>
+    </p:spTree>
+  </p:cSld>
+  <p:clrMapOvr>
+    <a:masterClrMapping/>
+  </p:clrMapOvr>
+  <p:transition>
+    <p:cover dir="ru"/>
+  </p:transition>
+  <p:timing>
+    <p:tnLst>
+      <p:par>
+        <p:cTn id="1" dur="indefinite" restart="never" nodeType="tmRoot"/>
+      </p:par>
+    </p:tnLst>
+  </p:timing>
+</p:sld>
+</file>
+
+<file path=ppt/slides/slide7.xml><?xml version="1.0" encoding="utf-8"?>
+<p:sld xmlns:a="http://schemas.openxmlformats.org/drawingml/2006/main" xmlns:r="http://schemas.openxmlformats.org/officeDocument/2006/relationships" xmlns:p="http://schemas.openxmlformats.org/presentationml/2006/main">
+  <p:cSld>
+    <p:spTree>
+      <p:nvGrpSpPr>
+        <p:cNvPr id="1" name=""/>
+        <p:cNvGrpSpPr/>
+        <p:nvPr/>
+      </p:nvGrpSpPr>
+      <p:grpSpPr>
+        <a:xfrm>
+          <a:off x="0" y="0"/>
+          <a:ext cx="0" cy="0"/>
+          <a:chOff x="0" y="0"/>
+          <a:chExt cx="0" cy="0"/>
+        </a:xfrm>
+      </p:grpSpPr>
+      <p:sp>
+        <p:nvSpPr>
+          <p:cNvPr id="3" name="Title 2"/>
+          <p:cNvSpPr>
+            <a:spLocks noGrp="1"/>
+          </p:cNvSpPr>
+          <p:nvPr>
+            <p:ph type="title"/>
+          </p:nvPr>
+        </p:nvSpPr>
+        <p:spPr/>
+        <p:txBody>
+          <a:bodyPr/>
+          <a:lstStyle/>
+          <a:p>
+            <a:r>
+              <a:rPr lang="id-ID" dirty="0" smtClean="0"/>
+              <a:t>Kebutuhan Non-Fungsional</a:t>
+            </a:r>
+            <a:endParaRPr lang="id-ID" dirty="0"/>
+          </a:p>
+        </p:txBody>
+      </p:sp>
+      <p:sp>
+        <p:nvSpPr>
+          <p:cNvPr id="2" name="Content Placeholder 1"/>
+          <p:cNvSpPr>
+            <a:spLocks noGrp="1"/>
+          </p:cNvSpPr>
+          <p:nvPr>
+            <p:ph idx="1"/>
+          </p:nvPr>
+        </p:nvSpPr>
+        <p:spPr/>
+        <p:txBody>
+          <a:bodyPr/>
+          <a:lstStyle/>
+          <a:p>
+            <a:pPr marL="0" indent="0">
+              <a:buNone/>
+            </a:pPr>
+            <a:endParaRPr lang="id-ID" dirty="0"/>
+          </a:p>
+        </p:txBody>
+      </p:sp>
+      <p:pic>
+        <p:nvPicPr>
+          <p:cNvPr id="1026" name="Picture 2"/>
+          <p:cNvPicPr>
+            <a:picLocks noChangeAspect="1" noChangeArrowheads="1"/>
+          </p:cNvPicPr>
+          <p:nvPr/>
+        </p:nvPicPr>
+        <p:blipFill rotWithShape="1">
+          <a:blip r:embed="rId2">
+            <a:extLst>
+              <a:ext uri="{28A0092B-C50C-407E-A947-70E740481C1C}">
+                <a14:useLocalDpi xmlns:a14="http://schemas.microsoft.com/office/drawing/2010/main" val="0"/>
+              </a:ext>
+            </a:extLst>
+          </a:blip>
+          <a:srcRect l="30119" t="52976" r="28495" b="15079"/>
+          <a:stretch/>
+        </p:blipFill>
+        <p:spPr bwMode="auto">
+          <a:xfrm>
+            <a:off x="739922" y="2276872"/>
+            <a:ext cx="7300986" cy="3168352"/>
+          </a:xfrm>
+          <a:prstGeom prst="rect">
+            <a:avLst/>
+          </a:prstGeom>
+          <a:noFill/>
+          <a:ln>
+            <a:noFill/>
+          </a:ln>
+          <a:effectLst/>
+          <a:extLst>
+            <a:ext uri="{909E8E84-426E-40DD-AFC4-6F175D3DCCD1}">
+              <a14:hiddenFill xmlns:a14="http://schemas.microsoft.com/office/drawing/2010/main">
+                <a:solidFill>
+                  <a:schemeClr val="accent1"/>
+                </a:solidFill>
+              </a14:hiddenFill>
+            </a:ext>
+            <a:ext uri="{91240B29-F687-4F45-9708-019B960494DF}">
+              <a14:hiddenLine xmlns:a14="http://schemas.microsoft.com/office/drawing/2010/main" w="9525">
+                <a:solidFill>
+                  <a:schemeClr val="tx1"/>
+                </a:solidFill>
+                <a:miter lim="800000"/>
+                <a:headEnd/>
+                <a:tailEnd/>
+              </a14:hiddenLine>
+            </a:ext>
+            <a:ext uri="{AF507438-7753-43E0-B8FC-AC1667EBCBE1}">
+              <a14:hiddenEffects xmlns:a14="http://schemas.microsoft.com/office/drawing/2010/main">
+                <a:effectLst>
+                  <a:outerShdw dist="35921" dir="2700000" algn="ctr" rotWithShape="0">
+                    <a:schemeClr val="bg2"/>
+                  </a:outerShdw>
+                </a:effectLst>
+              </a14:hiddenEffects>
+            </a:ext>
+          </a:extLst>
+        </p:spPr>
+      </p:pic>
+    </p:spTree>
+  </p:cSld>
+  <p:clrMapOvr>
+    <a:masterClrMapping/>
+  </p:clrMapOvr>
+  <p:transition>
+    <p:blinds/>
+  </p:transition>
+  <p:timing>
+    <p:tnLst>
+      <p:par>
+        <p:cTn id="1" dur="indefinite" restart="never" nodeType="tmRoot"/>
+      </p:par>
+    </p:tnLst>
+  </p:timing>
+</p:sld>
+</file>
+
+<file path=ppt/slides/slide8.xml><?xml version="1.0" encoding="utf-8"?>
 <p:sld xmlns:a="http://schemas.openxmlformats.org/drawingml/2006/main" xmlns:r="http://schemas.openxmlformats.org/officeDocument/2006/relationships" xmlns:p="http://schemas.openxmlformats.org/presentationml/2006/main">
   <p:cSld>
     <p:spTree>
@@ -3455,762 +4200,6 @@
   </p:clrMapOvr>
   <p:transition>
     <p:newsflash/>
-  </p:transition>
-  <p:timing>
-    <p:tnLst>
-      <p:par>
-        <p:cTn id="1" dur="indefinite" restart="never" nodeType="tmRoot"/>
-      </p:par>
-    </p:tnLst>
-  </p:timing>
-</p:sld>
-</file>
-
-<file path=ppt/slides/slide2.xml><?xml version="1.0" encoding="utf-8"?>
-<p:sld xmlns:a="http://schemas.openxmlformats.org/drawingml/2006/main" xmlns:r="http://schemas.openxmlformats.org/officeDocument/2006/relationships" xmlns:p="http://schemas.openxmlformats.org/presentationml/2006/main">
-  <p:cSld>
-    <p:spTree>
-      <p:nvGrpSpPr>
-        <p:cNvPr id="1" name=""/>
-        <p:cNvGrpSpPr/>
-        <p:nvPr/>
-      </p:nvGrpSpPr>
-      <p:grpSpPr>
-        <a:xfrm>
-          <a:off x="0" y="0"/>
-          <a:ext cx="0" cy="0"/>
-          <a:chOff x="0" y="0"/>
-          <a:chExt cx="0" cy="0"/>
-        </a:xfrm>
-      </p:grpSpPr>
-      <p:sp>
-        <p:nvSpPr>
-          <p:cNvPr id="2" name="Content Placeholder 1"/>
-          <p:cNvSpPr>
-            <a:spLocks noGrp="1"/>
-          </p:cNvSpPr>
-          <p:nvPr>
-            <p:ph idx="1"/>
-          </p:nvPr>
-        </p:nvSpPr>
-        <p:spPr/>
-        <p:txBody>
-          <a:bodyPr/>
-          <a:lstStyle/>
-          <a:p>
-            <a:pPr marL="0" indent="0" algn="just">
-              <a:buNone/>
-            </a:pPr>
-            <a:r>
-              <a:rPr lang="id-ID" smtClean="0"/>
-              <a:t>	Kehidupan </a:t>
-            </a:r>
-            <a:r>
-              <a:rPr lang="id-ID" dirty="0"/>
-              <a:t>manusia sekarang ini tidak dapat terlepas dari informasi, hal ini menjadi salah satu penyebab pentingnya keterlibatan bidang teknologi. Hasil pemanggilan ini akan di olah menjadi sebuah </a:t>
-            </a:r>
-            <a:r>
-              <a:rPr lang="id-ID" i="1" dirty="0"/>
-              <a:t>file </a:t>
-            </a:r>
-            <a:r>
-              <a:rPr lang="id-ID" dirty="0"/>
-              <a:t>keluaran (</a:t>
-            </a:r>
-            <a:r>
-              <a:rPr lang="id-ID" i="1" dirty="0"/>
-              <a:t>output</a:t>
-            </a:r>
-            <a:r>
-              <a:rPr lang="id-ID" dirty="0"/>
-              <a:t>) yang akan di tampilkan dalam bentuk gambar dan teks. Sehingga dengan digunakannya do’a-do’a sehari-hari yang sudah terkomputerisasi ini dapat meningkatkan pendapatan keimanan seseorang.</a:t>
-            </a:r>
-          </a:p>
-          <a:p>
-            <a:pPr marL="0" indent="0" algn="just">
-              <a:buNone/>
-            </a:pPr>
-            <a:endParaRPr lang="id-ID" dirty="0"/>
-          </a:p>
-        </p:txBody>
-      </p:sp>
-      <p:sp>
-        <p:nvSpPr>
-          <p:cNvPr id="3" name="Title 2"/>
-          <p:cNvSpPr>
-            <a:spLocks noGrp="1"/>
-          </p:cNvSpPr>
-          <p:nvPr>
-            <p:ph type="title"/>
-          </p:nvPr>
-        </p:nvSpPr>
-        <p:spPr/>
-        <p:txBody>
-          <a:bodyPr>
-            <a:normAutofit fontScale="90000"/>
-          </a:bodyPr>
-          <a:lstStyle/>
-          <a:p>
-            <a:r>
-              <a:rPr lang="id-ID" b="1" dirty="0"/>
-              <a:t>Deskripsi Umum Perangkat </a:t>
-            </a:r>
-            <a:r>
-              <a:rPr lang="id-ID" b="1" dirty="0" smtClean="0"/>
-              <a:t>Lunak</a:t>
-            </a:r>
-            <a:endParaRPr lang="id-ID" dirty="0"/>
-          </a:p>
-        </p:txBody>
-      </p:sp>
-    </p:spTree>
-    <p:extLst>
-      <p:ext uri="{BB962C8B-B14F-4D97-AF65-F5344CB8AC3E}">
-        <p14:creationId xmlns:p14="http://schemas.microsoft.com/office/powerpoint/2010/main" val="3083918367"/>
-      </p:ext>
-    </p:extLst>
-  </p:cSld>
-  <p:clrMapOvr>
-    <a:masterClrMapping/>
-  </p:clrMapOvr>
-</p:sld>
-</file>
-
-<file path=ppt/slides/slide3.xml><?xml version="1.0" encoding="utf-8"?>
-<p:sld xmlns:a="http://schemas.openxmlformats.org/drawingml/2006/main" xmlns:r="http://schemas.openxmlformats.org/officeDocument/2006/relationships" xmlns:p="http://schemas.openxmlformats.org/presentationml/2006/main">
-  <p:cSld>
-    <p:spTree>
-      <p:nvGrpSpPr>
-        <p:cNvPr id="1" name=""/>
-        <p:cNvGrpSpPr/>
-        <p:nvPr/>
-      </p:nvGrpSpPr>
-      <p:grpSpPr>
-        <a:xfrm>
-          <a:off x="0" y="0"/>
-          <a:ext cx="0" cy="0"/>
-          <a:chOff x="0" y="0"/>
-          <a:chExt cx="0" cy="0"/>
-        </a:xfrm>
-      </p:grpSpPr>
-      <p:sp>
-        <p:nvSpPr>
-          <p:cNvPr id="3" name="Title 2"/>
-          <p:cNvSpPr>
-            <a:spLocks noGrp="1"/>
-          </p:cNvSpPr>
-          <p:nvPr>
-            <p:ph type="title"/>
-          </p:nvPr>
-        </p:nvSpPr>
-        <p:spPr/>
-        <p:txBody>
-          <a:bodyPr/>
-          <a:lstStyle/>
-          <a:p>
-            <a:r>
-              <a:rPr lang="id-ID" dirty="0" smtClean="0"/>
-              <a:t>Use Case Diagram</a:t>
-            </a:r>
-            <a:endParaRPr lang="id-ID" dirty="0"/>
-          </a:p>
-        </p:txBody>
-      </p:sp>
-      <p:pic>
-        <p:nvPicPr>
-          <p:cNvPr id="4" name="Content Placeholder 3"/>
-          <p:cNvPicPr>
-            <a:picLocks noGrp="1"/>
-          </p:cNvPicPr>
-          <p:nvPr>
-            <p:ph idx="1"/>
-          </p:nvPr>
-        </p:nvPicPr>
-        <p:blipFill rotWithShape="1">
-          <a:blip r:embed="rId2"/>
-          <a:srcRect l="16047" t="19530" r="49558" b="44002"/>
-          <a:stretch/>
-        </p:blipFill>
-        <p:spPr bwMode="auto">
-          <a:xfrm>
-            <a:off x="1285853" y="1643050"/>
-            <a:ext cx="6643734" cy="4214842"/>
-          </a:xfrm>
-          <a:prstGeom prst="rect">
-            <a:avLst/>
-          </a:prstGeom>
-          <a:ln>
-            <a:noFill/>
-          </a:ln>
-          <a:extLst>
-            <a:ext uri="{53640926-AAD7-44D8-BBD7-CCE9431645EC}">
-              <a14:shadowObscured xmlns:a14="http://schemas.microsoft.com/office/drawing/2010/main"/>
-            </a:ext>
-          </a:extLst>
-        </p:spPr>
-      </p:pic>
-    </p:spTree>
-  </p:cSld>
-  <p:clrMapOvr>
-    <a:masterClrMapping/>
-  </p:clrMapOvr>
-  <p:transition>
-    <p:wheel spokes="2"/>
-  </p:transition>
-  <p:timing>
-    <p:tnLst>
-      <p:par>
-        <p:cTn id="1" dur="indefinite" restart="never" nodeType="tmRoot"/>
-      </p:par>
-    </p:tnLst>
-  </p:timing>
-</p:sld>
-</file>
-
-<file path=ppt/slides/slide4.xml><?xml version="1.0" encoding="utf-8"?>
-<p:sld xmlns:a="http://schemas.openxmlformats.org/drawingml/2006/main" xmlns:r="http://schemas.openxmlformats.org/officeDocument/2006/relationships" xmlns:p="http://schemas.openxmlformats.org/presentationml/2006/main">
-  <p:cSld>
-    <p:spTree>
-      <p:nvGrpSpPr>
-        <p:cNvPr id="1" name=""/>
-        <p:cNvGrpSpPr/>
-        <p:nvPr/>
-      </p:nvGrpSpPr>
-      <p:grpSpPr>
-        <a:xfrm>
-          <a:off x="0" y="0"/>
-          <a:ext cx="0" cy="0"/>
-          <a:chOff x="0" y="0"/>
-          <a:chExt cx="0" cy="0"/>
-        </a:xfrm>
-      </p:grpSpPr>
-      <p:sp>
-        <p:nvSpPr>
-          <p:cNvPr id="3" name="Title 2"/>
-          <p:cNvSpPr>
-            <a:spLocks noGrp="1"/>
-          </p:cNvSpPr>
-          <p:nvPr>
-            <p:ph type="title"/>
-          </p:nvPr>
-        </p:nvSpPr>
-        <p:spPr/>
-        <p:txBody>
-          <a:bodyPr/>
-          <a:lstStyle/>
-          <a:p>
-            <a:r>
-              <a:rPr lang="id-ID" dirty="0" smtClean="0"/>
-              <a:t>Diagram Konteks</a:t>
-            </a:r>
-            <a:endParaRPr lang="id-ID" dirty="0"/>
-          </a:p>
-        </p:txBody>
-      </p:sp>
-      <p:pic>
-        <p:nvPicPr>
-          <p:cNvPr id="4" name="Content Placeholder 3"/>
-          <p:cNvPicPr>
-            <a:picLocks noGrp="1"/>
-          </p:cNvPicPr>
-          <p:nvPr>
-            <p:ph idx="1"/>
-          </p:nvPr>
-        </p:nvPicPr>
-        <p:blipFill>
-          <a:blip r:embed="rId2"/>
-          <a:srcRect l="30445" t="35447" r="32599" b="39973"/>
-          <a:stretch>
-            <a:fillRect/>
-          </a:stretch>
-        </p:blipFill>
-        <p:spPr bwMode="auto">
-          <a:xfrm>
-            <a:off x="1357290" y="1928802"/>
-            <a:ext cx="6500858" cy="3571900"/>
-          </a:xfrm>
-          <a:prstGeom prst="rect">
-            <a:avLst/>
-          </a:prstGeom>
-          <a:noFill/>
-          <a:ln w="9525">
-            <a:noFill/>
-            <a:miter lim="800000"/>
-            <a:headEnd/>
-            <a:tailEnd/>
-          </a:ln>
-        </p:spPr>
-      </p:pic>
-    </p:spTree>
-  </p:cSld>
-  <p:clrMapOvr>
-    <a:masterClrMapping/>
-  </p:clrMapOvr>
-  <p:transition>
-    <p:circle/>
-  </p:transition>
-  <p:timing>
-    <p:tnLst>
-      <p:par>
-        <p:cTn id="1" dur="indefinite" restart="never" nodeType="tmRoot"/>
-      </p:par>
-    </p:tnLst>
-  </p:timing>
-</p:sld>
-</file>
-
-<file path=ppt/slides/slide5.xml><?xml version="1.0" encoding="utf-8"?>
-<p:sld xmlns:a="http://schemas.openxmlformats.org/drawingml/2006/main" xmlns:r="http://schemas.openxmlformats.org/officeDocument/2006/relationships" xmlns:p="http://schemas.openxmlformats.org/presentationml/2006/main">
-  <p:cSld>
-    <p:spTree>
-      <p:nvGrpSpPr>
-        <p:cNvPr id="1" name=""/>
-        <p:cNvGrpSpPr/>
-        <p:nvPr/>
-      </p:nvGrpSpPr>
-      <p:grpSpPr>
-        <a:xfrm>
-          <a:off x="0" y="0"/>
-          <a:ext cx="0" cy="0"/>
-          <a:chOff x="0" y="0"/>
-          <a:chExt cx="0" cy="0"/>
-        </a:xfrm>
-      </p:grpSpPr>
-      <p:sp>
-        <p:nvSpPr>
-          <p:cNvPr id="3" name="Title 2"/>
-          <p:cNvSpPr>
-            <a:spLocks noGrp="1"/>
-          </p:cNvSpPr>
-          <p:nvPr>
-            <p:ph type="title"/>
-          </p:nvPr>
-        </p:nvSpPr>
-        <p:spPr/>
-        <p:txBody>
-          <a:bodyPr/>
-          <a:lstStyle/>
-          <a:p>
-            <a:r>
-              <a:rPr lang="id-ID" dirty="0" smtClean="0"/>
-              <a:t>DFD Level 1</a:t>
-            </a:r>
-            <a:endParaRPr lang="id-ID" dirty="0"/>
-          </a:p>
-        </p:txBody>
-      </p:sp>
-      <p:pic>
-        <p:nvPicPr>
-          <p:cNvPr id="4" name="Content Placeholder 3"/>
-          <p:cNvPicPr>
-            <a:picLocks noGrp="1"/>
-          </p:cNvPicPr>
-          <p:nvPr>
-            <p:ph idx="1"/>
-          </p:nvPr>
-        </p:nvPicPr>
-        <p:blipFill>
-          <a:blip r:embed="rId2"/>
-          <a:srcRect l="28046" t="25360" r="19749" b="32487"/>
-          <a:stretch>
-            <a:fillRect/>
-          </a:stretch>
-        </p:blipFill>
-        <p:spPr bwMode="auto">
-          <a:xfrm>
-            <a:off x="928662" y="1785926"/>
-            <a:ext cx="7286676" cy="4071966"/>
-          </a:xfrm>
-          <a:prstGeom prst="rect">
-            <a:avLst/>
-          </a:prstGeom>
-          <a:noFill/>
-          <a:ln w="9525">
-            <a:noFill/>
-            <a:miter lim="800000"/>
-            <a:headEnd/>
-            <a:tailEnd/>
-          </a:ln>
-        </p:spPr>
-      </p:pic>
-    </p:spTree>
-  </p:cSld>
-  <p:clrMapOvr>
-    <a:masterClrMapping/>
-  </p:clrMapOvr>
-  <p:transition>
-    <p:wheel spokes="8"/>
-  </p:transition>
-  <p:timing>
-    <p:tnLst>
-      <p:par>
-        <p:cTn id="1" dur="indefinite" restart="never" nodeType="tmRoot"/>
-      </p:par>
-    </p:tnLst>
-  </p:timing>
-</p:sld>
-</file>
-
-<file path=ppt/slides/slide6.xml><?xml version="1.0" encoding="utf-8"?>
-<p:sld xmlns:a="http://schemas.openxmlformats.org/drawingml/2006/main" xmlns:r="http://schemas.openxmlformats.org/officeDocument/2006/relationships" xmlns:p="http://schemas.openxmlformats.org/presentationml/2006/main">
-  <p:cSld>
-    <p:spTree>
-      <p:nvGrpSpPr>
-        <p:cNvPr id="1" name=""/>
-        <p:cNvGrpSpPr/>
-        <p:nvPr/>
-      </p:nvGrpSpPr>
-      <p:grpSpPr>
-        <a:xfrm>
-          <a:off x="0" y="0"/>
-          <a:ext cx="0" cy="0"/>
-          <a:chOff x="0" y="0"/>
-          <a:chExt cx="0" cy="0"/>
-        </a:xfrm>
-      </p:grpSpPr>
-      <p:sp>
-        <p:nvSpPr>
-          <p:cNvPr id="3" name="Title 2"/>
-          <p:cNvSpPr>
-            <a:spLocks noGrp="1"/>
-          </p:cNvSpPr>
-          <p:nvPr>
-            <p:ph type="title"/>
-          </p:nvPr>
-        </p:nvSpPr>
-        <p:spPr/>
-        <p:txBody>
-          <a:bodyPr/>
-          <a:lstStyle/>
-          <a:p>
-            <a:r>
-              <a:rPr lang="id-ID" dirty="0" smtClean="0"/>
-              <a:t>Diagram Kelas</a:t>
-            </a:r>
-            <a:endParaRPr lang="id-ID" dirty="0"/>
-          </a:p>
-        </p:txBody>
-      </p:sp>
-      <p:pic>
-        <p:nvPicPr>
-          <p:cNvPr id="1026" name="Picture 2"/>
-          <p:cNvPicPr>
-            <a:picLocks noGrp="1" noChangeAspect="1" noChangeArrowheads="1"/>
-          </p:cNvPicPr>
-          <p:nvPr>
-            <p:ph idx="1"/>
-          </p:nvPr>
-        </p:nvPicPr>
-        <p:blipFill>
-          <a:blip r:embed="rId2"/>
-          <a:srcRect l="40845" t="38542" r="22534" b="42708"/>
-          <a:stretch>
-            <a:fillRect/>
-          </a:stretch>
-        </p:blipFill>
-        <p:spPr bwMode="auto">
-          <a:xfrm>
-            <a:off x="714348" y="2428868"/>
-            <a:ext cx="7858180" cy="2357454"/>
-          </a:xfrm>
-          <a:prstGeom prst="rect">
-            <a:avLst/>
-          </a:prstGeom>
-          <a:noFill/>
-          <a:ln w="9525">
-            <a:noFill/>
-            <a:miter lim="800000"/>
-            <a:headEnd/>
-            <a:tailEnd/>
-          </a:ln>
-          <a:effectLst/>
-        </p:spPr>
-      </p:pic>
-    </p:spTree>
-  </p:cSld>
-  <p:clrMapOvr>
-    <a:masterClrMapping/>
-  </p:clrMapOvr>
-  <p:transition>
-    <p:checker/>
-  </p:transition>
-  <p:timing>
-    <p:tnLst>
-      <p:par>
-        <p:cTn id="1" dur="indefinite" restart="never" nodeType="tmRoot"/>
-      </p:par>
-    </p:tnLst>
-  </p:timing>
-</p:sld>
-</file>
-
-<file path=ppt/slides/slide7.xml><?xml version="1.0" encoding="utf-8"?>
-<p:sld xmlns:a="http://schemas.openxmlformats.org/drawingml/2006/main" xmlns:r="http://schemas.openxmlformats.org/officeDocument/2006/relationships" xmlns:p="http://schemas.openxmlformats.org/presentationml/2006/main">
-  <p:cSld>
-    <p:spTree>
-      <p:nvGrpSpPr>
-        <p:cNvPr id="1" name=""/>
-        <p:cNvGrpSpPr/>
-        <p:nvPr/>
-      </p:nvGrpSpPr>
-      <p:grpSpPr>
-        <a:xfrm>
-          <a:off x="0" y="0"/>
-          <a:ext cx="0" cy="0"/>
-          <a:chOff x="0" y="0"/>
-          <a:chExt cx="0" cy="0"/>
-        </a:xfrm>
-      </p:grpSpPr>
-      <p:sp>
-        <p:nvSpPr>
-          <p:cNvPr id="3" name="Title 2"/>
-          <p:cNvSpPr>
-            <a:spLocks noGrp="1"/>
-          </p:cNvSpPr>
-          <p:nvPr>
-            <p:ph type="title"/>
-          </p:nvPr>
-        </p:nvSpPr>
-        <p:spPr/>
-        <p:txBody>
-          <a:bodyPr/>
-          <a:lstStyle/>
-          <a:p>
-            <a:r>
-              <a:rPr lang="id-ID" dirty="0" smtClean="0"/>
-              <a:t>E-R Diagram</a:t>
-            </a:r>
-            <a:endParaRPr lang="id-ID" dirty="0"/>
-          </a:p>
-        </p:txBody>
-      </p:sp>
-      <p:pic>
-        <p:nvPicPr>
-          <p:cNvPr id="4" name="Content Placeholder 3"/>
-          <p:cNvPicPr>
-            <a:picLocks noGrp="1"/>
-          </p:cNvPicPr>
-          <p:nvPr>
-            <p:ph idx="1"/>
-          </p:nvPr>
-        </p:nvPicPr>
-        <p:blipFill>
-          <a:blip r:embed="rId2"/>
-          <a:srcRect l="21289" t="25648" r="26509" b="44092"/>
-          <a:stretch>
-            <a:fillRect/>
-          </a:stretch>
-        </p:blipFill>
-        <p:spPr bwMode="auto">
-          <a:xfrm>
-            <a:off x="1000100" y="2143116"/>
-            <a:ext cx="7072362" cy="3571900"/>
-          </a:xfrm>
-          <a:prstGeom prst="rect">
-            <a:avLst/>
-          </a:prstGeom>
-          <a:noFill/>
-          <a:ln w="9525">
-            <a:noFill/>
-            <a:miter lim="800000"/>
-            <a:headEnd/>
-            <a:tailEnd/>
-          </a:ln>
-        </p:spPr>
-      </p:pic>
-    </p:spTree>
-  </p:cSld>
-  <p:clrMapOvr>
-    <a:masterClrMapping/>
-  </p:clrMapOvr>
-  <p:transition>
-    <p:split orient="vert"/>
-  </p:transition>
-  <p:timing>
-    <p:tnLst>
-      <p:par>
-        <p:cTn id="1" dur="indefinite" restart="never" nodeType="tmRoot"/>
-      </p:par>
-    </p:tnLst>
-  </p:timing>
-</p:sld>
-</file>
-
-<file path=ppt/slides/slide8.xml><?xml version="1.0" encoding="utf-8"?>
-<p:sld xmlns:a="http://schemas.openxmlformats.org/drawingml/2006/main" xmlns:r="http://schemas.openxmlformats.org/officeDocument/2006/relationships" xmlns:p="http://schemas.openxmlformats.org/presentationml/2006/main">
-  <p:cSld>
-    <p:spTree>
-      <p:nvGrpSpPr>
-        <p:cNvPr id="1" name=""/>
-        <p:cNvGrpSpPr/>
-        <p:nvPr/>
-      </p:nvGrpSpPr>
-      <p:grpSpPr>
-        <a:xfrm>
-          <a:off x="0" y="0"/>
-          <a:ext cx="0" cy="0"/>
-          <a:chOff x="0" y="0"/>
-          <a:chExt cx="0" cy="0"/>
-        </a:xfrm>
-      </p:grpSpPr>
-      <p:sp>
-        <p:nvSpPr>
-          <p:cNvPr id="3" name="Title 2"/>
-          <p:cNvSpPr>
-            <a:spLocks noGrp="1"/>
-          </p:cNvSpPr>
-          <p:nvPr>
-            <p:ph type="title"/>
-          </p:nvPr>
-        </p:nvSpPr>
-        <p:spPr/>
-        <p:txBody>
-          <a:bodyPr/>
-          <a:lstStyle/>
-          <a:p>
-            <a:r>
-              <a:rPr lang="id-ID" dirty="0" smtClean="0"/>
-              <a:t>Kebutuhan Fungsional</a:t>
-            </a:r>
-            <a:endParaRPr lang="id-ID" dirty="0"/>
-          </a:p>
-        </p:txBody>
-      </p:sp>
-      <p:pic>
-        <p:nvPicPr>
-          <p:cNvPr id="2050" name="Picture 2"/>
-          <p:cNvPicPr>
-            <a:picLocks noGrp="1" noChangeAspect="1" noChangeArrowheads="1"/>
-          </p:cNvPicPr>
-          <p:nvPr>
-            <p:ph idx="1"/>
-          </p:nvPr>
-        </p:nvPicPr>
-        <p:blipFill>
-          <a:blip r:embed="rId2"/>
-          <a:srcRect l="23884" t="55651" r="32628" b="18372"/>
-          <a:stretch>
-            <a:fillRect/>
-          </a:stretch>
-        </p:blipFill>
-        <p:spPr bwMode="auto">
-          <a:xfrm>
-            <a:off x="785786" y="2214554"/>
-            <a:ext cx="7643866" cy="2675353"/>
-          </a:xfrm>
-          <a:prstGeom prst="rect">
-            <a:avLst/>
-          </a:prstGeom>
-          <a:noFill/>
-          <a:ln w="9525">
-            <a:noFill/>
-            <a:miter lim="800000"/>
-            <a:headEnd/>
-            <a:tailEnd/>
-          </a:ln>
-          <a:effectLst/>
-        </p:spPr>
-      </p:pic>
-    </p:spTree>
-  </p:cSld>
-  <p:clrMapOvr>
-    <a:masterClrMapping/>
-  </p:clrMapOvr>
-  <p:transition>
-    <p:cover dir="ru"/>
-  </p:transition>
-  <p:timing>
-    <p:tnLst>
-      <p:par>
-        <p:cTn id="1" dur="indefinite" restart="never" nodeType="tmRoot"/>
-      </p:par>
-    </p:tnLst>
-  </p:timing>
-</p:sld>
-</file>
-
-<file path=ppt/slides/slide9.xml><?xml version="1.0" encoding="utf-8"?>
-<p:sld xmlns:a="http://schemas.openxmlformats.org/drawingml/2006/main" xmlns:r="http://schemas.openxmlformats.org/officeDocument/2006/relationships" xmlns:p="http://schemas.openxmlformats.org/presentationml/2006/main">
-  <p:cSld>
-    <p:spTree>
-      <p:nvGrpSpPr>
-        <p:cNvPr id="1" name=""/>
-        <p:cNvGrpSpPr/>
-        <p:nvPr/>
-      </p:nvGrpSpPr>
-      <p:grpSpPr>
-        <a:xfrm>
-          <a:off x="0" y="0"/>
-          <a:ext cx="0" cy="0"/>
-          <a:chOff x="0" y="0"/>
-          <a:chExt cx="0" cy="0"/>
-        </a:xfrm>
-      </p:grpSpPr>
-      <p:sp>
-        <p:nvSpPr>
-          <p:cNvPr id="3" name="Title 2"/>
-          <p:cNvSpPr>
-            <a:spLocks noGrp="1"/>
-          </p:cNvSpPr>
-          <p:nvPr>
-            <p:ph type="title"/>
-          </p:nvPr>
-        </p:nvSpPr>
-        <p:spPr/>
-        <p:txBody>
-          <a:bodyPr/>
-          <a:lstStyle/>
-          <a:p>
-            <a:r>
-              <a:rPr lang="id-ID" dirty="0" smtClean="0"/>
-              <a:t>Kebutuhan Non-Fungsional</a:t>
-            </a:r>
-            <a:endParaRPr lang="id-ID" dirty="0"/>
-          </a:p>
-        </p:txBody>
-      </p:sp>
-      <p:pic>
-        <p:nvPicPr>
-          <p:cNvPr id="3074" name="Picture 2"/>
-          <p:cNvPicPr>
-            <a:picLocks noGrp="1" noChangeAspect="1" noChangeArrowheads="1"/>
-          </p:cNvPicPr>
-          <p:nvPr>
-            <p:ph idx="1"/>
-          </p:nvPr>
-        </p:nvPicPr>
-        <p:blipFill>
-          <a:blip r:embed="rId2"/>
-          <a:srcRect l="23449" t="43229" r="20703" b="13021"/>
-          <a:stretch>
-            <a:fillRect/>
-          </a:stretch>
-        </p:blipFill>
-        <p:spPr bwMode="auto">
-          <a:xfrm>
-            <a:off x="617395" y="1928802"/>
-            <a:ext cx="7937273" cy="3643338"/>
-          </a:xfrm>
-          <a:prstGeom prst="rect">
-            <a:avLst/>
-          </a:prstGeom>
-          <a:noFill/>
-          <a:ln w="9525">
-            <a:noFill/>
-            <a:miter lim="800000"/>
-            <a:headEnd/>
-            <a:tailEnd/>
-          </a:ln>
-          <a:effectLst/>
-        </p:spPr>
-      </p:pic>
-    </p:spTree>
-  </p:cSld>
-  <p:clrMapOvr>
-    <a:masterClrMapping/>
-  </p:clrMapOvr>
-  <p:transition>
-    <p:blinds/>
   </p:transition>
   <p:timing>
     <p:tnLst>
